--- a/documents/单点登录系统中的隐私问题.pptx
+++ b/documents/单点登录系统中的隐私问题.pptx
@@ -5,26 +5,26 @@
     <p:sldMasterId id="2147483648" r:id="rId1"/>
   </p:sldMasterIdLst>
   <p:notesMasterIdLst>
-    <p:notesMasterId r:id="rId14"/>
+    <p:notesMasterId r:id="rId19"/>
   </p:notesMasterIdLst>
   <p:sldIdLst>
-    <p:sldId id="256" r:id="rId3"/>
-    <p:sldId id="257" r:id="rId4"/>
-    <p:sldId id="258" r:id="rId5"/>
-    <p:sldId id="260" r:id="rId6"/>
-    <p:sldId id="263" r:id="rId7"/>
-    <p:sldId id="259" r:id="rId8"/>
-    <p:sldId id="261" r:id="rId9"/>
-    <p:sldId id="262" r:id="rId10"/>
-    <p:sldId id="264" r:id="rId11"/>
-    <p:sldId id="265" r:id="rId12"/>
-    <p:sldId id="266" r:id="rId13"/>
-    <p:sldId id="267" r:id="rId15"/>
-    <p:sldId id="269" r:id="rId16"/>
-    <p:sldId id="270" r:id="rId17"/>
-    <p:sldId id="272" r:id="rId18"/>
-    <p:sldId id="273" r:id="rId19"/>
-    <p:sldId id="271" r:id="rId20"/>
+    <p:sldId id="256" r:id="rId2"/>
+    <p:sldId id="257" r:id="rId3"/>
+    <p:sldId id="258" r:id="rId4"/>
+    <p:sldId id="260" r:id="rId5"/>
+    <p:sldId id="263" r:id="rId6"/>
+    <p:sldId id="259" r:id="rId7"/>
+    <p:sldId id="261" r:id="rId8"/>
+    <p:sldId id="262" r:id="rId9"/>
+    <p:sldId id="264" r:id="rId10"/>
+    <p:sldId id="265" r:id="rId11"/>
+    <p:sldId id="266" r:id="rId12"/>
+    <p:sldId id="267" r:id="rId13"/>
+    <p:sldId id="269" r:id="rId14"/>
+    <p:sldId id="270" r:id="rId15"/>
+    <p:sldId id="272" r:id="rId16"/>
+    <p:sldId id="273" r:id="rId17"/>
+    <p:sldId id="271" r:id="rId18"/>
   </p:sldIdLst>
   <p:sldSz cx="12192000" cy="6858000"/>
   <p:notesSz cx="6858000" cy="9144000"/>
@@ -123,6 +123,11 @@
       </a:defRPr>
     </a:lvl9pPr>
   </p:defaultTextStyle>
+  <p:extLst>
+    <p:ext uri="{EFAFB233-063F-42B5-8137-9DF3F51BA10A}">
+      <p15:sldGuideLst xmlns:p15="http://schemas.microsoft.com/office/powerpoint/2012/main"/>
+    </p:ext>
+  </p:extLst>
 </p:presentation>
 </file>
 
@@ -167,6 +172,7 @@
               <a:cs typeface="+mn-cs"/>
             </a:defRPr>
           </a:pPr>
+          <a:endParaRPr lang="zh-CN"/>
         </a:p>
       </c:txPr>
     </c:title>
@@ -189,8 +195,6 @@
               </c:strCache>
             </c:strRef>
           </c:tx>
-          <c:spPr/>
-          <c:explosion val="0"/>
           <c:dPt>
             <c:idx val="0"/>
             <c:bubble3D val="0"/>
@@ -221,9 +225,6 @@
               <a:effectLst/>
             </c:spPr>
           </c:dPt>
-          <c:dLbls>
-            <c:delete val="1"/>
-          </c:dLbls>
           <c:cat>
             <c:strRef>
               <c:f>Sheet1!$A$2:$A$3</c:f>
@@ -301,6 +302,7 @@
               <a:cs typeface="+mn-cs"/>
             </a:defRPr>
           </a:pPr>
+          <a:endParaRPr lang="zh-CN"/>
         </a:p>
       </c:txPr>
     </c:legend>
@@ -322,9 +324,10 @@
       <a:pPr>
         <a:defRPr lang="zh-CN"/>
       </a:pPr>
+      <a:endParaRPr lang="zh-CN"/>
     </a:p>
   </c:txPr>
-  <c:externalData r:id="rId1">
+  <c:externalData r:id="rId3">
     <c:autoUpdate val="0"/>
   </c:externalData>
 </c:chartSpace>
@@ -971,6 +974,7 @@
           <a:p>
             <a:fld id="{D2A48B96-639E-45A3-A0BA-2464DFDB1FAA}" type="datetimeFigureOut">
               <a:rPr lang="zh-CN" altLang="en-US" smtClean="0"/>
+              <a:t>2019/9/9</a:t>
             </a:fld>
             <a:endParaRPr lang="zh-CN" altLang="en-US"/>
           </a:p>
@@ -1037,7 +1041,6 @@
               <a:rPr lang="zh-CN" altLang="en-US" smtClean="0"/>
               <a:t>单击此处编辑母版文本样式</a:t>
             </a:r>
-            <a:endParaRPr lang="zh-CN" altLang="en-US" smtClean="0"/>
           </a:p>
           <a:p>
             <a:pPr lvl="1"/>
@@ -1045,7 +1048,6 @@
               <a:rPr lang="zh-CN" altLang="en-US" smtClean="0"/>
               <a:t>第二级</a:t>
             </a:r>
-            <a:endParaRPr lang="zh-CN" altLang="en-US" smtClean="0"/>
           </a:p>
           <a:p>
             <a:pPr lvl="2"/>
@@ -1053,7 +1055,6 @@
               <a:rPr lang="zh-CN" altLang="en-US" smtClean="0"/>
               <a:t>第三级</a:t>
             </a:r>
-            <a:endParaRPr lang="zh-CN" altLang="en-US" smtClean="0"/>
           </a:p>
           <a:p>
             <a:pPr lvl="3"/>
@@ -1061,7 +1062,6 @@
               <a:rPr lang="zh-CN" altLang="en-US" smtClean="0"/>
               <a:t>第四级</a:t>
             </a:r>
-            <a:endParaRPr lang="zh-CN" altLang="en-US" smtClean="0"/>
           </a:p>
           <a:p>
             <a:pPr lvl="4"/>
@@ -1133,12 +1133,18 @@
           <a:p>
             <a:fld id="{A6837353-30EB-4A48-80EB-173D804AEFBD}" type="slidenum">
               <a:rPr lang="zh-CN" altLang="en-US" smtClean="0"/>
+              <a:t>‹#›</a:t>
             </a:fld>
             <a:endParaRPr lang="zh-CN" altLang="en-US"/>
           </a:p>
         </p:txBody>
       </p:sp>
     </p:spTree>
+    <p:extLst>
+      <p:ext uri="{BB962C8B-B14F-4D97-AF65-F5344CB8AC3E}">
+        <p14:creationId xmlns:p14="http://schemas.microsoft.com/office/powerpoint/2010/main" val="2533031063"/>
+      </p:ext>
+    </p:extLst>
   </p:cSld>
   <p:clrMap bg1="lt1" tx1="dk1" bg2="lt2" tx2="dk2" accent1="accent1" accent2="accent2" accent3="accent3" accent4="accent4" accent5="accent5" accent6="accent6" hlink="hlink" folHlink="folHlink"/>
   <p:notesStyle>
@@ -1245,11 +1251,20 @@
         <p:cNvGrpSpPr/>
         <p:nvPr/>
       </p:nvGrpSpPr>
-      <p:grpSpPr/>
+      <p:grpSpPr>
+        <a:xfrm>
+          <a:off x="0" y="0"/>
+          <a:ext cx="0" cy="0"/>
+          <a:chOff x="0" y="0"/>
+          <a:chExt cx="0" cy="0"/>
+        </a:xfrm>
+      </p:grpSpPr>
       <p:sp>
         <p:nvSpPr>
           <p:cNvPr id="2" name="幻灯片图像占位符 1"/>
-          <p:cNvSpPr/>
+          <p:cNvSpPr>
+            <a:spLocks noGrp="1" noRot="1" noChangeAspect="1"/>
+          </p:cNvSpPr>
           <p:nvPr>
             <p:ph type="sldImg" idx="2"/>
           </p:nvPr>
@@ -1259,7 +1274,9 @@
       <p:sp>
         <p:nvSpPr>
           <p:cNvPr id="3" name="文本占位符 2"/>
-          <p:cNvSpPr/>
+          <p:cNvSpPr>
+            <a:spLocks noGrp="1"/>
+          </p:cNvSpPr>
           <p:nvPr>
             <p:ph type="body" idx="3"/>
           </p:nvPr>
@@ -1267,12 +1284,18 @@
         <p:spPr/>
         <p:txBody>
           <a:bodyPr/>
+          <a:lstStyle/>
           <a:p>
             <a:endParaRPr lang="zh-CN" altLang="en-US"/>
           </a:p>
         </p:txBody>
       </p:sp>
     </p:spTree>
+    <p:extLst>
+      <p:ext uri="{BB962C8B-B14F-4D97-AF65-F5344CB8AC3E}">
+        <p14:creationId xmlns:p14="http://schemas.microsoft.com/office/powerpoint/2010/main" val="2688421621"/>
+      </p:ext>
+    </p:extLst>
   </p:cSld>
   <p:clrMapOvr>
     <a:masterClrMapping/>
@@ -1411,6 +1434,7 @@
           <a:p>
             <a:fld id="{D997B5FA-0921-464F-AAE1-844C04324D75}" type="datetimeFigureOut">
               <a:rPr lang="zh-CN" altLang="en-US" smtClean="0"/>
+              <a:t>2019/9/9</a:t>
             </a:fld>
             <a:endParaRPr lang="zh-CN" altLang="en-US"/>
           </a:p>
@@ -1452,6 +1476,7 @@
           <a:p>
             <a:fld id="{565CE74E-AB26-4998-AD42-012C4C1AD076}" type="slidenum">
               <a:rPr lang="zh-CN" altLang="en-US" smtClean="0"/>
+              <a:t>‹#›</a:t>
             </a:fld>
             <a:endParaRPr lang="zh-CN" altLang="en-US"/>
           </a:p>
@@ -1525,7 +1550,6 @@
               <a:rPr lang="zh-CN" altLang="en-US" smtClean="0"/>
               <a:t>单击此处编辑母版文本样式</a:t>
             </a:r>
-            <a:endParaRPr lang="zh-CN" altLang="en-US" smtClean="0"/>
           </a:p>
           <a:p>
             <a:pPr lvl="1"/>
@@ -1533,7 +1557,6 @@
               <a:rPr lang="zh-CN" altLang="en-US" smtClean="0"/>
               <a:t>第二级</a:t>
             </a:r>
-            <a:endParaRPr lang="zh-CN" altLang="en-US" smtClean="0"/>
           </a:p>
           <a:p>
             <a:pPr lvl="2"/>
@@ -1541,7 +1564,6 @@
               <a:rPr lang="zh-CN" altLang="en-US" smtClean="0"/>
               <a:t>第三级</a:t>
             </a:r>
-            <a:endParaRPr lang="zh-CN" altLang="en-US" smtClean="0"/>
           </a:p>
           <a:p>
             <a:pPr lvl="3"/>
@@ -1549,7 +1571,6 @@
               <a:rPr lang="zh-CN" altLang="en-US" smtClean="0"/>
               <a:t>第四级</a:t>
             </a:r>
-            <a:endParaRPr lang="zh-CN" altLang="en-US" smtClean="0"/>
           </a:p>
           <a:p>
             <a:pPr lvl="4"/>
@@ -1578,6 +1599,7 @@
           <a:p>
             <a:fld id="{D997B5FA-0921-464F-AAE1-844C04324D75}" type="datetimeFigureOut">
               <a:rPr lang="zh-CN" altLang="en-US" smtClean="0"/>
+              <a:t>2019/9/9</a:t>
             </a:fld>
             <a:endParaRPr lang="zh-CN" altLang="en-US"/>
           </a:p>
@@ -1619,6 +1641,7 @@
           <a:p>
             <a:fld id="{565CE74E-AB26-4998-AD42-012C4C1AD076}" type="slidenum">
               <a:rPr lang="zh-CN" altLang="en-US" smtClean="0"/>
+              <a:t>‹#›</a:t>
             </a:fld>
             <a:endParaRPr lang="zh-CN" altLang="en-US"/>
           </a:p>
@@ -1702,7 +1725,6 @@
               <a:rPr lang="zh-CN" altLang="en-US" smtClean="0"/>
               <a:t>单击此处编辑母版文本样式</a:t>
             </a:r>
-            <a:endParaRPr lang="zh-CN" altLang="en-US" smtClean="0"/>
           </a:p>
           <a:p>
             <a:pPr lvl="1"/>
@@ -1710,7 +1732,6 @@
               <a:rPr lang="zh-CN" altLang="en-US" smtClean="0"/>
               <a:t>第二级</a:t>
             </a:r>
-            <a:endParaRPr lang="zh-CN" altLang="en-US" smtClean="0"/>
           </a:p>
           <a:p>
             <a:pPr lvl="2"/>
@@ -1718,7 +1739,6 @@
               <a:rPr lang="zh-CN" altLang="en-US" smtClean="0"/>
               <a:t>第三级</a:t>
             </a:r>
-            <a:endParaRPr lang="zh-CN" altLang="en-US" smtClean="0"/>
           </a:p>
           <a:p>
             <a:pPr lvl="3"/>
@@ -1726,7 +1746,6 @@
               <a:rPr lang="zh-CN" altLang="en-US" smtClean="0"/>
               <a:t>第四级</a:t>
             </a:r>
-            <a:endParaRPr lang="zh-CN" altLang="en-US" smtClean="0"/>
           </a:p>
           <a:p>
             <a:pPr lvl="4"/>
@@ -1755,6 +1774,7 @@
           <a:p>
             <a:fld id="{D997B5FA-0921-464F-AAE1-844C04324D75}" type="datetimeFigureOut">
               <a:rPr lang="zh-CN" altLang="en-US" smtClean="0"/>
+              <a:t>2019/9/9</a:t>
             </a:fld>
             <a:endParaRPr lang="zh-CN" altLang="en-US"/>
           </a:p>
@@ -1796,6 +1816,7 @@
           <a:p>
             <a:fld id="{565CE74E-AB26-4998-AD42-012C4C1AD076}" type="slidenum">
               <a:rPr lang="zh-CN" altLang="en-US" smtClean="0"/>
+              <a:t>‹#›</a:t>
             </a:fld>
             <a:endParaRPr lang="zh-CN" altLang="en-US"/>
           </a:p>
@@ -1869,7 +1890,6 @@
               <a:rPr lang="zh-CN" altLang="en-US" smtClean="0"/>
               <a:t>单击此处编辑母版文本样式</a:t>
             </a:r>
-            <a:endParaRPr lang="zh-CN" altLang="en-US" smtClean="0"/>
           </a:p>
           <a:p>
             <a:pPr lvl="1"/>
@@ -1877,7 +1897,6 @@
               <a:rPr lang="zh-CN" altLang="en-US" smtClean="0"/>
               <a:t>第二级</a:t>
             </a:r>
-            <a:endParaRPr lang="zh-CN" altLang="en-US" smtClean="0"/>
           </a:p>
           <a:p>
             <a:pPr lvl="2"/>
@@ -1885,7 +1904,6 @@
               <a:rPr lang="zh-CN" altLang="en-US" smtClean="0"/>
               <a:t>第三级</a:t>
             </a:r>
-            <a:endParaRPr lang="zh-CN" altLang="en-US" smtClean="0"/>
           </a:p>
           <a:p>
             <a:pPr lvl="3"/>
@@ -1893,7 +1911,6 @@
               <a:rPr lang="zh-CN" altLang="en-US" smtClean="0"/>
               <a:t>第四级</a:t>
             </a:r>
-            <a:endParaRPr lang="zh-CN" altLang="en-US" smtClean="0"/>
           </a:p>
           <a:p>
             <a:pPr lvl="4"/>
@@ -1922,6 +1939,7 @@
           <a:p>
             <a:fld id="{D997B5FA-0921-464F-AAE1-844C04324D75}" type="datetimeFigureOut">
               <a:rPr lang="zh-CN" altLang="en-US" smtClean="0"/>
+              <a:t>2019/9/9</a:t>
             </a:fld>
             <a:endParaRPr lang="zh-CN" altLang="en-US"/>
           </a:p>
@@ -1963,6 +1981,7 @@
           <a:p>
             <a:fld id="{565CE74E-AB26-4998-AD42-012C4C1AD076}" type="slidenum">
               <a:rPr lang="zh-CN" altLang="en-US" smtClean="0"/>
+              <a:t>‹#›</a:t>
             </a:fld>
             <a:endParaRPr lang="zh-CN" altLang="en-US"/>
           </a:p>
@@ -2141,7 +2160,6 @@
               <a:rPr lang="zh-CN" altLang="en-US" smtClean="0"/>
               <a:t>单击此处编辑母版文本样式</a:t>
             </a:r>
-            <a:endParaRPr lang="zh-CN" altLang="en-US" smtClean="0"/>
           </a:p>
         </p:txBody>
       </p:sp>
@@ -2162,6 +2180,7 @@
           <a:p>
             <a:fld id="{D997B5FA-0921-464F-AAE1-844C04324D75}" type="datetimeFigureOut">
               <a:rPr lang="zh-CN" altLang="en-US" smtClean="0"/>
+              <a:t>2019/9/9</a:t>
             </a:fld>
             <a:endParaRPr lang="zh-CN" altLang="en-US"/>
           </a:p>
@@ -2203,6 +2222,7 @@
           <a:p>
             <a:fld id="{565CE74E-AB26-4998-AD42-012C4C1AD076}" type="slidenum">
               <a:rPr lang="zh-CN" altLang="en-US" smtClean="0"/>
+              <a:t>‹#›</a:t>
             </a:fld>
             <a:endParaRPr lang="zh-CN" altLang="en-US"/>
           </a:p>
@@ -2281,7 +2301,6 @@
               <a:rPr lang="zh-CN" altLang="en-US" smtClean="0"/>
               <a:t>单击此处编辑母版文本样式</a:t>
             </a:r>
-            <a:endParaRPr lang="zh-CN" altLang="en-US" smtClean="0"/>
           </a:p>
           <a:p>
             <a:pPr lvl="1"/>
@@ -2289,7 +2308,6 @@
               <a:rPr lang="zh-CN" altLang="en-US" smtClean="0"/>
               <a:t>第二级</a:t>
             </a:r>
-            <a:endParaRPr lang="zh-CN" altLang="en-US" smtClean="0"/>
           </a:p>
           <a:p>
             <a:pPr lvl="2"/>
@@ -2297,7 +2315,6 @@
               <a:rPr lang="zh-CN" altLang="en-US" smtClean="0"/>
               <a:t>第三级</a:t>
             </a:r>
-            <a:endParaRPr lang="zh-CN" altLang="en-US" smtClean="0"/>
           </a:p>
           <a:p>
             <a:pPr lvl="3"/>
@@ -2305,7 +2322,6 @@
               <a:rPr lang="zh-CN" altLang="en-US" smtClean="0"/>
               <a:t>第四级</a:t>
             </a:r>
-            <a:endParaRPr lang="zh-CN" altLang="en-US" smtClean="0"/>
           </a:p>
           <a:p>
             <a:pPr lvl="4"/>
@@ -2342,7 +2358,6 @@
               <a:rPr lang="zh-CN" altLang="en-US" smtClean="0"/>
               <a:t>单击此处编辑母版文本样式</a:t>
             </a:r>
-            <a:endParaRPr lang="zh-CN" altLang="en-US" smtClean="0"/>
           </a:p>
           <a:p>
             <a:pPr lvl="1"/>
@@ -2350,7 +2365,6 @@
               <a:rPr lang="zh-CN" altLang="en-US" smtClean="0"/>
               <a:t>第二级</a:t>
             </a:r>
-            <a:endParaRPr lang="zh-CN" altLang="en-US" smtClean="0"/>
           </a:p>
           <a:p>
             <a:pPr lvl="2"/>
@@ -2358,7 +2372,6 @@
               <a:rPr lang="zh-CN" altLang="en-US" smtClean="0"/>
               <a:t>第三级</a:t>
             </a:r>
-            <a:endParaRPr lang="zh-CN" altLang="en-US" smtClean="0"/>
           </a:p>
           <a:p>
             <a:pPr lvl="3"/>
@@ -2366,7 +2379,6 @@
               <a:rPr lang="zh-CN" altLang="en-US" smtClean="0"/>
               <a:t>第四级</a:t>
             </a:r>
-            <a:endParaRPr lang="zh-CN" altLang="en-US" smtClean="0"/>
           </a:p>
           <a:p>
             <a:pPr lvl="4"/>
@@ -2395,6 +2407,7 @@
           <a:p>
             <a:fld id="{D997B5FA-0921-464F-AAE1-844C04324D75}" type="datetimeFigureOut">
               <a:rPr lang="zh-CN" altLang="en-US" smtClean="0"/>
+              <a:t>2019/9/9</a:t>
             </a:fld>
             <a:endParaRPr lang="zh-CN" altLang="en-US"/>
           </a:p>
@@ -2436,6 +2449,7 @@
           <a:p>
             <a:fld id="{565CE74E-AB26-4998-AD42-012C4C1AD076}" type="slidenum">
               <a:rPr lang="zh-CN" altLang="en-US" smtClean="0"/>
+              <a:t>‹#›</a:t>
             </a:fld>
             <a:endParaRPr lang="zh-CN" altLang="en-US"/>
           </a:p>
@@ -2556,7 +2570,6 @@
               <a:rPr lang="zh-CN" altLang="en-US" smtClean="0"/>
               <a:t>单击此处编辑母版文本样式</a:t>
             </a:r>
-            <a:endParaRPr lang="zh-CN" altLang="en-US" smtClean="0"/>
           </a:p>
         </p:txBody>
       </p:sp>
@@ -2585,7 +2598,6 @@
               <a:rPr lang="zh-CN" altLang="en-US" smtClean="0"/>
               <a:t>单击此处编辑母版文本样式</a:t>
             </a:r>
-            <a:endParaRPr lang="zh-CN" altLang="en-US" smtClean="0"/>
           </a:p>
           <a:p>
             <a:pPr lvl="1"/>
@@ -2593,7 +2605,6 @@
               <a:rPr lang="zh-CN" altLang="en-US" smtClean="0"/>
               <a:t>第二级</a:t>
             </a:r>
-            <a:endParaRPr lang="zh-CN" altLang="en-US" smtClean="0"/>
           </a:p>
           <a:p>
             <a:pPr lvl="2"/>
@@ -2601,7 +2612,6 @@
               <a:rPr lang="zh-CN" altLang="en-US" smtClean="0"/>
               <a:t>第三级</a:t>
             </a:r>
-            <a:endParaRPr lang="zh-CN" altLang="en-US" smtClean="0"/>
           </a:p>
           <a:p>
             <a:pPr lvl="3"/>
@@ -2609,7 +2619,6 @@
               <a:rPr lang="zh-CN" altLang="en-US" smtClean="0"/>
               <a:t>第四级</a:t>
             </a:r>
-            <a:endParaRPr lang="zh-CN" altLang="en-US" smtClean="0"/>
           </a:p>
           <a:p>
             <a:pPr lvl="4"/>
@@ -2683,7 +2692,6 @@
               <a:rPr lang="zh-CN" altLang="en-US" smtClean="0"/>
               <a:t>单击此处编辑母版文本样式</a:t>
             </a:r>
-            <a:endParaRPr lang="zh-CN" altLang="en-US" smtClean="0"/>
           </a:p>
         </p:txBody>
       </p:sp>
@@ -2712,7 +2720,6 @@
               <a:rPr lang="zh-CN" altLang="en-US" smtClean="0"/>
               <a:t>单击此处编辑母版文本样式</a:t>
             </a:r>
-            <a:endParaRPr lang="zh-CN" altLang="en-US" smtClean="0"/>
           </a:p>
           <a:p>
             <a:pPr lvl="1"/>
@@ -2720,7 +2727,6 @@
               <a:rPr lang="zh-CN" altLang="en-US" smtClean="0"/>
               <a:t>第二级</a:t>
             </a:r>
-            <a:endParaRPr lang="zh-CN" altLang="en-US" smtClean="0"/>
           </a:p>
           <a:p>
             <a:pPr lvl="2"/>
@@ -2728,7 +2734,6 @@
               <a:rPr lang="zh-CN" altLang="en-US" smtClean="0"/>
               <a:t>第三级</a:t>
             </a:r>
-            <a:endParaRPr lang="zh-CN" altLang="en-US" smtClean="0"/>
           </a:p>
           <a:p>
             <a:pPr lvl="3"/>
@@ -2736,7 +2741,6 @@
               <a:rPr lang="zh-CN" altLang="en-US" smtClean="0"/>
               <a:t>第四级</a:t>
             </a:r>
-            <a:endParaRPr lang="zh-CN" altLang="en-US" smtClean="0"/>
           </a:p>
           <a:p>
             <a:pPr lvl="4"/>
@@ -2765,6 +2769,7 @@
           <a:p>
             <a:fld id="{D997B5FA-0921-464F-AAE1-844C04324D75}" type="datetimeFigureOut">
               <a:rPr lang="zh-CN" altLang="en-US" smtClean="0"/>
+              <a:t>2019/9/9</a:t>
             </a:fld>
             <a:endParaRPr lang="zh-CN" altLang="en-US"/>
           </a:p>
@@ -2806,6 +2811,7 @@
           <a:p>
             <a:fld id="{565CE74E-AB26-4998-AD42-012C4C1AD076}" type="slidenum">
               <a:rPr lang="zh-CN" altLang="en-US" smtClean="0"/>
+              <a:t>‹#›</a:t>
             </a:fld>
             <a:endParaRPr lang="zh-CN" altLang="en-US"/>
           </a:p>
@@ -2876,6 +2882,7 @@
           <a:p>
             <a:fld id="{D997B5FA-0921-464F-AAE1-844C04324D75}" type="datetimeFigureOut">
               <a:rPr lang="zh-CN" altLang="en-US" smtClean="0"/>
+              <a:t>2019/9/9</a:t>
             </a:fld>
             <a:endParaRPr lang="zh-CN" altLang="en-US"/>
           </a:p>
@@ -2917,6 +2924,7 @@
           <a:p>
             <a:fld id="{565CE74E-AB26-4998-AD42-012C4C1AD076}" type="slidenum">
               <a:rPr lang="zh-CN" altLang="en-US" smtClean="0"/>
+              <a:t>‹#›</a:t>
             </a:fld>
             <a:endParaRPr lang="zh-CN" altLang="en-US"/>
           </a:p>
@@ -2964,6 +2972,7 @@
           <a:p>
             <a:fld id="{D997B5FA-0921-464F-AAE1-844C04324D75}" type="datetimeFigureOut">
               <a:rPr lang="zh-CN" altLang="en-US" smtClean="0"/>
+              <a:t>2019/9/9</a:t>
             </a:fld>
             <a:endParaRPr lang="zh-CN" altLang="en-US"/>
           </a:p>
@@ -3005,6 +3014,7 @@
           <a:p>
             <a:fld id="{565CE74E-AB26-4998-AD42-012C4C1AD076}" type="slidenum">
               <a:rPr lang="zh-CN" altLang="en-US" smtClean="0"/>
+              <a:t>‹#›</a:t>
             </a:fld>
             <a:endParaRPr lang="zh-CN" altLang="en-US"/>
           </a:p>
@@ -3120,7 +3130,6 @@
               <a:rPr lang="zh-CN" altLang="en-US" smtClean="0"/>
               <a:t>单击此处编辑母版文本样式</a:t>
             </a:r>
-            <a:endParaRPr lang="zh-CN" altLang="en-US" smtClean="0"/>
           </a:p>
           <a:p>
             <a:pPr lvl="1"/>
@@ -3128,7 +3137,6 @@
               <a:rPr lang="zh-CN" altLang="en-US" smtClean="0"/>
               <a:t>第二级</a:t>
             </a:r>
-            <a:endParaRPr lang="zh-CN" altLang="en-US" smtClean="0"/>
           </a:p>
           <a:p>
             <a:pPr lvl="2"/>
@@ -3136,7 +3144,6 @@
               <a:rPr lang="zh-CN" altLang="en-US" smtClean="0"/>
               <a:t>第三级</a:t>
             </a:r>
-            <a:endParaRPr lang="zh-CN" altLang="en-US" smtClean="0"/>
           </a:p>
           <a:p>
             <a:pPr lvl="3"/>
@@ -3144,7 +3151,6 @@
               <a:rPr lang="zh-CN" altLang="en-US" smtClean="0"/>
               <a:t>第四级</a:t>
             </a:r>
-            <a:endParaRPr lang="zh-CN" altLang="en-US" smtClean="0"/>
           </a:p>
           <a:p>
             <a:pPr lvl="4"/>
@@ -3218,7 +3224,6 @@
               <a:rPr lang="zh-CN" altLang="en-US" smtClean="0"/>
               <a:t>单击此处编辑母版文本样式</a:t>
             </a:r>
-            <a:endParaRPr lang="zh-CN" altLang="en-US" smtClean="0"/>
           </a:p>
         </p:txBody>
       </p:sp>
@@ -3239,6 +3244,7 @@
           <a:p>
             <a:fld id="{D997B5FA-0921-464F-AAE1-844C04324D75}" type="datetimeFigureOut">
               <a:rPr lang="zh-CN" altLang="en-US" smtClean="0"/>
+              <a:t>2019/9/9</a:t>
             </a:fld>
             <a:endParaRPr lang="zh-CN" altLang="en-US"/>
           </a:p>
@@ -3280,6 +3286,7 @@
           <a:p>
             <a:fld id="{565CE74E-AB26-4998-AD42-012C4C1AD076}" type="slidenum">
               <a:rPr lang="zh-CN" altLang="en-US" smtClean="0"/>
+              <a:t>‹#›</a:t>
             </a:fld>
             <a:endParaRPr lang="zh-CN" altLang="en-US"/>
           </a:p>
@@ -3465,7 +3472,6 @@
               <a:rPr lang="zh-CN" altLang="en-US" smtClean="0"/>
               <a:t>单击此处编辑母版文本样式</a:t>
             </a:r>
-            <a:endParaRPr lang="zh-CN" altLang="en-US" smtClean="0"/>
           </a:p>
         </p:txBody>
       </p:sp>
@@ -3486,6 +3492,7 @@
           <a:p>
             <a:fld id="{D997B5FA-0921-464F-AAE1-844C04324D75}" type="datetimeFigureOut">
               <a:rPr lang="zh-CN" altLang="en-US" smtClean="0"/>
+              <a:t>2019/9/9</a:t>
             </a:fld>
             <a:endParaRPr lang="zh-CN" altLang="en-US"/>
           </a:p>
@@ -3527,6 +3534,7 @@
           <a:p>
             <a:fld id="{565CE74E-AB26-4998-AD42-012C4C1AD076}" type="slidenum">
               <a:rPr lang="zh-CN" altLang="en-US" smtClean="0"/>
+              <a:t>‹#›</a:t>
             </a:fld>
             <a:endParaRPr lang="zh-CN" altLang="en-US"/>
           </a:p>
@@ -3625,7 +3633,6 @@
               <a:rPr lang="zh-CN" altLang="en-US" smtClean="0"/>
               <a:t>单击此处编辑母版文本样式</a:t>
             </a:r>
-            <a:endParaRPr lang="zh-CN" altLang="en-US" smtClean="0"/>
           </a:p>
           <a:p>
             <a:pPr lvl="1"/>
@@ -3633,7 +3640,6 @@
               <a:rPr lang="zh-CN" altLang="en-US" smtClean="0"/>
               <a:t>第二级</a:t>
             </a:r>
-            <a:endParaRPr lang="zh-CN" altLang="en-US" smtClean="0"/>
           </a:p>
           <a:p>
             <a:pPr lvl="2"/>
@@ -3641,7 +3647,6 @@
               <a:rPr lang="zh-CN" altLang="en-US" smtClean="0"/>
               <a:t>第三级</a:t>
             </a:r>
-            <a:endParaRPr lang="zh-CN" altLang="en-US" smtClean="0"/>
           </a:p>
           <a:p>
             <a:pPr lvl="3"/>
@@ -3649,7 +3654,6 @@
               <a:rPr lang="zh-CN" altLang="en-US" smtClean="0"/>
               <a:t>第四级</a:t>
             </a:r>
-            <a:endParaRPr lang="zh-CN" altLang="en-US" smtClean="0"/>
           </a:p>
           <a:p>
             <a:pPr lvl="4"/>
@@ -3696,6 +3700,7 @@
           <a:p>
             <a:fld id="{D997B5FA-0921-464F-AAE1-844C04324D75}" type="datetimeFigureOut">
               <a:rPr lang="zh-CN" altLang="en-US" smtClean="0"/>
+              <a:t>2019/9/9</a:t>
             </a:fld>
             <a:endParaRPr lang="zh-CN" altLang="en-US"/>
           </a:p>
@@ -3773,6 +3778,7 @@
           <a:p>
             <a:fld id="{565CE74E-AB26-4998-AD42-012C4C1AD076}" type="slidenum">
               <a:rPr lang="zh-CN" altLang="en-US" smtClean="0"/>
+              <a:t>‹#›</a:t>
             </a:fld>
             <a:endParaRPr lang="zh-CN" altLang="en-US"/>
           </a:p>
@@ -4086,7 +4092,14 @@
         <p:cNvGrpSpPr/>
         <p:nvPr/>
       </p:nvGrpSpPr>
-      <p:grpSpPr/>
+      <p:grpSpPr>
+        <a:xfrm>
+          <a:off x="0" y="0"/>
+          <a:ext cx="0" cy="0"/>
+          <a:chOff x="0" y="0"/>
+          <a:chExt cx="0" cy="0"/>
+        </a:xfrm>
+      </p:grpSpPr>
       <p:sp>
         <p:nvSpPr>
           <p:cNvPr id="2" name="标题 1"/>
@@ -4100,12 +4113,12 @@
         <p:spPr/>
         <p:txBody>
           <a:bodyPr/>
+          <a:lstStyle/>
           <a:p>
             <a:r>
               <a:rPr lang="zh-CN" altLang="en-US" sz="5400"/>
               <a:t>单点登录系统中的隐私问题</a:t>
             </a:r>
-            <a:endParaRPr lang="zh-CN" altLang="en-US" sz="5400"/>
           </a:p>
         </p:txBody>
       </p:sp>
@@ -4122,6 +4135,7 @@
         <p:spPr/>
         <p:txBody>
           <a:bodyPr/>
+          <a:lstStyle/>
           <a:p>
             <a:endParaRPr lang="zh-CN" altLang="en-US"/>
           </a:p>
@@ -4147,7 +4161,14 @@
         <p:cNvGrpSpPr/>
         <p:nvPr/>
       </p:nvGrpSpPr>
-      <p:grpSpPr/>
+      <p:grpSpPr>
+        <a:xfrm>
+          <a:off x="0" y="0"/>
+          <a:ext cx="0" cy="0"/>
+          <a:chOff x="0" y="0"/>
+          <a:chExt cx="0" cy="0"/>
+        </a:xfrm>
+      </p:grpSpPr>
       <p:sp>
         <p:nvSpPr>
           <p:cNvPr id="2" name="标题 1"/>
@@ -4161,6 +4182,7 @@
         <p:spPr/>
         <p:txBody>
           <a:bodyPr/>
+          <a:lstStyle/>
           <a:p>
             <a:r>
               <a:rPr lang="zh-CN" altLang="en-US">
@@ -4204,6 +4226,7 @@
           <a:bodyPr wrap="none" rtlCol="0">
             <a:spAutoFit/>
           </a:bodyPr>
+          <a:lstStyle/>
           <a:p>
             <a:r>
               <a:rPr lang="zh-CN" altLang="en-US"/>
@@ -4229,14 +4252,14 @@
         <p:nvPicPr>
           <p:cNvPr id="10" name="内容占位符 9"/>
           <p:cNvPicPr>
-            <a:picLocks noChangeAspect="1"/>
+            <a:picLocks noGrp="1" noChangeAspect="1"/>
           </p:cNvPicPr>
           <p:nvPr>
             <p:ph idx="1"/>
           </p:nvPr>
         </p:nvPicPr>
         <p:blipFill>
-          <a:blip r:embed="rId1"/>
+          <a:blip r:embed="rId2"/>
           <a:stretch>
             <a:fillRect/>
           </a:stretch>
@@ -4268,7 +4291,14 @@
         <p:cNvGrpSpPr/>
         <p:nvPr/>
       </p:nvGrpSpPr>
-      <p:grpSpPr/>
+      <p:grpSpPr>
+        <a:xfrm>
+          <a:off x="0" y="0"/>
+          <a:ext cx="0" cy="0"/>
+          <a:chOff x="0" y="0"/>
+          <a:chExt cx="0" cy="0"/>
+        </a:xfrm>
+      </p:grpSpPr>
       <p:sp>
         <p:nvSpPr>
           <p:cNvPr id="2" name="标题 1"/>
@@ -4282,6 +4312,7 @@
         <p:spPr/>
         <p:txBody>
           <a:bodyPr/>
+          <a:lstStyle/>
           <a:p>
             <a:r>
               <a:rPr lang="zh-CN" altLang="en-US">
@@ -4313,6 +4344,7 @@
           <a:bodyPr wrap="none" rtlCol="0">
             <a:spAutoFit/>
           </a:bodyPr>
+          <a:lstStyle/>
           <a:p>
             <a:r>
               <a:rPr lang="zh-CN" altLang="en-US"/>
@@ -4326,7 +4358,6 @@
               <a:rPr lang="zh-CN" altLang="en-US"/>
               <a:t>的账号进行认证</a:t>
             </a:r>
-            <a:endParaRPr lang="zh-CN" altLang="en-US"/>
           </a:p>
         </p:txBody>
       </p:sp>
@@ -4334,14 +4365,14 @@
         <p:nvPicPr>
           <p:cNvPr id="7" name="内容占位符 6"/>
           <p:cNvPicPr>
-            <a:picLocks noChangeAspect="1"/>
+            <a:picLocks noGrp="1" noChangeAspect="1"/>
           </p:cNvPicPr>
           <p:nvPr>
             <p:ph idx="1"/>
           </p:nvPr>
         </p:nvPicPr>
         <p:blipFill>
-          <a:blip r:embed="rId1"/>
+          <a:blip r:embed="rId3"/>
           <a:stretch>
             <a:fillRect/>
           </a:stretch>
@@ -4373,7 +4404,14 @@
         <p:cNvGrpSpPr/>
         <p:nvPr/>
       </p:nvGrpSpPr>
-      <p:grpSpPr/>
+      <p:grpSpPr>
+        <a:xfrm>
+          <a:off x="0" y="0"/>
+          <a:ext cx="0" cy="0"/>
+          <a:chOff x="0" y="0"/>
+          <a:chExt cx="0" cy="0"/>
+        </a:xfrm>
+      </p:grpSpPr>
       <p:sp>
         <p:nvSpPr>
           <p:cNvPr id="2" name="标题 1"/>
@@ -4387,6 +4425,7 @@
         <p:spPr/>
         <p:txBody>
           <a:bodyPr/>
+          <a:lstStyle/>
           <a:p>
             <a:r>
               <a:rPr lang="en-US" altLang="zh-CN">
@@ -4417,6 +4456,7 @@
         <p:spPr/>
         <p:txBody>
           <a:bodyPr/>
+          <a:lstStyle/>
           <a:p>
             <a:r>
               <a:rPr lang="en-US" altLang="zh-CN"/>
@@ -4426,7 +4466,6 @@
               <a:rPr lang="zh-CN" altLang="en-US"/>
               <a:t>获得用户登录轨迹的过程</a:t>
             </a:r>
-            <a:endParaRPr lang="zh-CN" altLang="en-US"/>
           </a:p>
           <a:p>
             <a:pPr lvl="1"/>
@@ -4442,7 +4481,6 @@
               <a:rPr lang="zh-CN" altLang="en-US"/>
               <a:t>登录</a:t>
             </a:r>
-            <a:endParaRPr lang="zh-CN" altLang="en-US"/>
           </a:p>
           <a:p>
             <a:pPr lvl="1"/>
@@ -4462,7 +4500,6 @@
               <a:rPr lang="zh-CN" altLang="en-US"/>
               <a:t>提供的用户身份凭据关联用户</a:t>
             </a:r>
-            <a:endParaRPr lang="zh-CN" altLang="en-US"/>
           </a:p>
         </p:txBody>
       </p:sp>
@@ -4483,7 +4520,14 @@
         <p:cNvGrpSpPr/>
         <p:nvPr/>
       </p:nvGrpSpPr>
-      <p:grpSpPr/>
+      <p:grpSpPr>
+        <a:xfrm>
+          <a:off x="0" y="0"/>
+          <a:ext cx="0" cy="0"/>
+          <a:chOff x="0" y="0"/>
+          <a:chExt cx="0" cy="0"/>
+        </a:xfrm>
+      </p:grpSpPr>
       <p:sp>
         <p:nvSpPr>
           <p:cNvPr id="2" name="标题 1"/>
@@ -4497,12 +4541,12 @@
         <p:spPr/>
         <p:txBody>
           <a:bodyPr/>
+          <a:lstStyle/>
           <a:p>
             <a:r>
               <a:rPr lang="zh-CN" altLang="en-US"/>
               <a:t>用户身份凭据</a:t>
             </a:r>
-            <a:endParaRPr lang="zh-CN" altLang="en-US"/>
           </a:p>
         </p:txBody>
       </p:sp>
@@ -4519,6 +4563,7 @@
         <p:spPr/>
         <p:txBody>
           <a:bodyPr/>
+          <a:lstStyle/>
           <a:p>
             <a:r>
               <a:rPr lang="zh-CN" altLang="en-US"/>
@@ -4532,7 +4577,6 @@
               <a:rPr lang="zh-CN" altLang="en-US"/>
               <a:t>为例</a:t>
             </a:r>
-            <a:endParaRPr lang="zh-CN" altLang="en-US"/>
           </a:p>
           <a:p>
             <a:pPr lvl="1"/>
@@ -4544,7 +4588,6 @@
               <a:rPr lang="en-US" altLang="zh-CN"/>
               <a:t>id token</a:t>
             </a:r>
-            <a:endParaRPr lang="en-US" altLang="zh-CN"/>
           </a:p>
           <a:p>
             <a:pPr lvl="2"/>
@@ -4556,7 +4599,6 @@
               <a:rPr lang="zh-CN" altLang="en-US" sz="2000"/>
               <a:t>格式编码的用户信息</a:t>
             </a:r>
-            <a:endParaRPr lang="zh-CN" altLang="en-US" sz="2000"/>
           </a:p>
           <a:p>
             <a:pPr lvl="1"/>
@@ -4578,9 +4620,6 @@
               </a:rPr>
               <a:t>获得的用户信息</a:t>
             </a:r>
-            <a:endParaRPr lang="zh-CN" altLang="en-US">
-              <a:sym typeface="+mn-ea"/>
-            </a:endParaRPr>
           </a:p>
           <a:p>
             <a:pPr lvl="1"/>
@@ -4601,7 +4640,7 @@
           <p:nvPr/>
         </p:nvPicPr>
         <p:blipFill>
-          <a:blip r:embed="rId1"/>
+          <a:blip r:embed="rId2"/>
           <a:stretch>
             <a:fillRect/>
           </a:stretch>
@@ -4625,7 +4664,7 @@
           <p:nvPr/>
         </p:nvPicPr>
         <p:blipFill>
-          <a:blip r:embed="rId2"/>
+          <a:blip r:embed="rId3"/>
           <a:stretch>
             <a:fillRect/>
           </a:stretch>
@@ -4660,12 +4699,12 @@
           <a:bodyPr wrap="none" rtlCol="0">
             <a:spAutoFit/>
           </a:bodyPr>
+          <a:lstStyle/>
           <a:p>
             <a:r>
               <a:rPr lang="en-US" altLang="zh-CN"/>
               <a:t>Quora</a:t>
             </a:r>
-            <a:endParaRPr lang="en-US" altLang="zh-CN"/>
           </a:p>
         </p:txBody>
       </p:sp>
@@ -4689,12 +4728,12 @@
           <a:bodyPr wrap="square" rtlCol="0">
             <a:spAutoFit/>
           </a:bodyPr>
+          <a:lstStyle/>
           <a:p>
             <a:r>
               <a:rPr lang="en-US" altLang="zh-CN"/>
               <a:t>Pinterest</a:t>
             </a:r>
-            <a:endParaRPr lang="en-US" altLang="zh-CN"/>
           </a:p>
         </p:txBody>
       </p:sp>
@@ -4715,7 +4754,14 @@
         <p:cNvGrpSpPr/>
         <p:nvPr/>
       </p:nvGrpSpPr>
-      <p:grpSpPr/>
+      <p:grpSpPr>
+        <a:xfrm>
+          <a:off x="0" y="0"/>
+          <a:ext cx="0" cy="0"/>
+          <a:chOff x="0" y="0"/>
+          <a:chExt cx="0" cy="0"/>
+        </a:xfrm>
+      </p:grpSpPr>
       <p:sp>
         <p:nvSpPr>
           <p:cNvPr id="2" name="标题 1"/>
@@ -4729,12 +4775,12 @@
         <p:spPr/>
         <p:txBody>
           <a:bodyPr/>
+          <a:lstStyle/>
           <a:p>
             <a:r>
               <a:rPr lang="zh-CN" altLang="en-US"/>
               <a:t>当前解决方案</a:t>
             </a:r>
-            <a:endParaRPr lang="zh-CN" altLang="en-US"/>
           </a:p>
         </p:txBody>
       </p:sp>
@@ -4751,6 +4797,7 @@
         <p:spPr/>
         <p:txBody>
           <a:bodyPr/>
+          <a:lstStyle/>
           <a:p>
             <a:r>
               <a:rPr lang="zh-CN" altLang="en-US"/>
@@ -4764,7 +4811,6 @@
               <a:rPr lang="zh-CN" altLang="en-US"/>
               <a:t>合谋</a:t>
             </a:r>
-            <a:endParaRPr lang="zh-CN" altLang="en-US"/>
           </a:p>
           <a:p>
             <a:pPr lvl="1"/>
@@ -4788,7 +4834,6 @@
               <a:rPr lang="en-US" altLang="zh-CN"/>
               <a:t>ID</a:t>
             </a:r>
-            <a:endParaRPr lang="en-US" altLang="zh-CN"/>
           </a:p>
           <a:p>
             <a:pPr lvl="2"/>
@@ -4796,7 +4841,6 @@
               <a:rPr lang="zh-CN" altLang="en-US"/>
               <a:t>例如</a:t>
             </a:r>
-            <a:endParaRPr lang="zh-CN" altLang="en-US"/>
           </a:p>
           <a:p>
             <a:pPr lvl="3"/>
@@ -4812,7 +4856,6 @@
               <a:rPr lang="en-US" altLang="zh-CN"/>
               <a:t>PPID</a:t>
             </a:r>
-            <a:endParaRPr lang="en-US" altLang="zh-CN"/>
           </a:p>
           <a:p>
             <a:pPr lvl="0"/>
@@ -4836,7 +4879,6 @@
               <a:rPr lang="zh-CN" altLang="en-US"/>
               <a:t>身份</a:t>
             </a:r>
-            <a:endParaRPr lang="zh-CN" altLang="en-US"/>
           </a:p>
           <a:p>
             <a:pPr lvl="1"/>
@@ -4856,7 +4898,6 @@
               <a:rPr lang="en-US" altLang="zh-CN"/>
               <a:t>RPID</a:t>
             </a:r>
-            <a:endParaRPr lang="en-US" altLang="zh-CN"/>
           </a:p>
           <a:p>
             <a:pPr lvl="2"/>
@@ -4864,7 +4905,6 @@
               <a:rPr lang="zh-CN" altLang="en-US"/>
               <a:t>例如</a:t>
             </a:r>
-            <a:endParaRPr lang="zh-CN" altLang="en-US"/>
           </a:p>
           <a:p>
             <a:pPr lvl="3"/>
@@ -4872,7 +4912,6 @@
               <a:rPr lang="en-US" altLang="zh-CN"/>
               <a:t>SPRESSO</a:t>
             </a:r>
-            <a:endParaRPr lang="en-US" altLang="zh-CN"/>
           </a:p>
           <a:p>
             <a:pPr lvl="1"/>
@@ -4888,7 +4927,6 @@
               <a:rPr lang="zh-CN" altLang="en-US"/>
               <a:t>签发用户凭据</a:t>
             </a:r>
-            <a:endParaRPr lang="zh-CN" altLang="en-US"/>
           </a:p>
           <a:p>
             <a:pPr lvl="2"/>
@@ -4896,7 +4934,6 @@
               <a:rPr lang="zh-CN" altLang="en-US"/>
               <a:t>例如</a:t>
             </a:r>
-            <a:endParaRPr lang="zh-CN" altLang="en-US"/>
           </a:p>
           <a:p>
             <a:pPr lvl="3"/>
@@ -4904,7 +4941,6 @@
               <a:rPr lang="en-US" altLang="zh-CN"/>
               <a:t>BrowserID</a:t>
             </a:r>
-            <a:endParaRPr lang="en-US" altLang="zh-CN"/>
           </a:p>
         </p:txBody>
       </p:sp>
@@ -4925,7 +4961,14 @@
         <p:cNvGrpSpPr/>
         <p:nvPr/>
       </p:nvGrpSpPr>
-      <p:grpSpPr/>
+      <p:grpSpPr>
+        <a:xfrm>
+          <a:off x="0" y="0"/>
+          <a:ext cx="0" cy="0"/>
+          <a:chOff x="0" y="0"/>
+          <a:chExt cx="0" cy="0"/>
+        </a:xfrm>
+      </p:grpSpPr>
       <p:sp>
         <p:nvSpPr>
           <p:cNvPr id="2" name="标题 1"/>
@@ -4939,12 +4982,12 @@
         <p:spPr/>
         <p:txBody>
           <a:bodyPr/>
+          <a:lstStyle/>
           <a:p>
             <a:r>
               <a:rPr lang="zh-CN" altLang="en-US"/>
               <a:t>当前方案的缺点</a:t>
             </a:r>
-            <a:endParaRPr lang="zh-CN" altLang="en-US"/>
           </a:p>
         </p:txBody>
       </p:sp>
@@ -4963,6 +5006,7 @@
           <a:bodyPr>
             <a:normAutofit lnSpcReduction="10000"/>
           </a:bodyPr>
+          <a:lstStyle/>
           <a:p>
             <a:r>
               <a:rPr lang="en-US" altLang="zh-CN">
@@ -4994,9 +5038,6 @@
               </a:rPr>
               <a:t>ID</a:t>
             </a:r>
-            <a:endParaRPr lang="en-US" altLang="zh-CN">
-              <a:sym typeface="+mn-ea"/>
-            </a:endParaRPr>
           </a:p>
           <a:p>
             <a:pPr lvl="1"/>
@@ -5004,7 +5045,6 @@
               <a:rPr lang="zh-CN" altLang="en-US"/>
               <a:t>例子</a:t>
             </a:r>
-            <a:endParaRPr lang="zh-CN" altLang="en-US"/>
           </a:p>
           <a:p>
             <a:pPr lvl="2"/>
@@ -5020,7 +5060,6 @@
               <a:rPr lang="en-US" altLang="zh-CN"/>
               <a:t>SAML</a:t>
             </a:r>
-            <a:endParaRPr lang="en-US" altLang="zh-CN"/>
           </a:p>
           <a:p>
             <a:pPr lvl="1"/>
@@ -5028,7 +5067,6 @@
               <a:rPr lang="zh-CN" altLang="en-US"/>
               <a:t>缺点</a:t>
             </a:r>
-            <a:endParaRPr lang="zh-CN" altLang="en-US"/>
           </a:p>
           <a:p>
             <a:pPr lvl="2"/>
@@ -5048,7 +5086,6 @@
               <a:rPr lang="en-US" altLang="zh-CN"/>
               <a:t>RPID</a:t>
             </a:r>
-            <a:endParaRPr lang="en-US" altLang="zh-CN"/>
           </a:p>
           <a:p>
             <a:pPr lvl="3"/>
@@ -5104,9 +5141,6 @@
               </a:rPr>
               <a:t>签发用户凭据</a:t>
             </a:r>
-            <a:endParaRPr lang="zh-CN" altLang="en-US">
-              <a:sym typeface="+mn-ea"/>
-            </a:endParaRPr>
           </a:p>
           <a:p>
             <a:pPr lvl="1"/>
@@ -5116,9 +5150,6 @@
               </a:rPr>
               <a:t>例子</a:t>
             </a:r>
-            <a:endParaRPr lang="zh-CN" altLang="en-US">
-              <a:sym typeface="+mn-ea"/>
-            </a:endParaRPr>
           </a:p>
           <a:p>
             <a:pPr lvl="2"/>
@@ -5140,9 +5171,6 @@
               </a:rPr>
               <a:t>BrowserID</a:t>
             </a:r>
-            <a:endParaRPr lang="en-US" altLang="zh-CN">
-              <a:sym typeface="+mn-ea"/>
-            </a:endParaRPr>
           </a:p>
           <a:p>
             <a:pPr lvl="1"/>
@@ -5152,9 +5180,6 @@
               </a:rPr>
               <a:t>缺点</a:t>
             </a:r>
-            <a:endParaRPr lang="zh-CN" altLang="en-US">
-              <a:sym typeface="+mn-ea"/>
-            </a:endParaRPr>
           </a:p>
           <a:p>
             <a:pPr lvl="2"/>
@@ -5200,9 +5225,6 @@
               </a:rPr>
               <a:t>）</a:t>
             </a:r>
-            <a:endParaRPr lang="zh-CN" altLang="en-US" sz="2000">
-              <a:sym typeface="+mn-ea"/>
-            </a:endParaRPr>
           </a:p>
           <a:p>
             <a:pPr lvl="3"/>
@@ -5247,7 +5269,14 @@
         <p:cNvGrpSpPr/>
         <p:nvPr/>
       </p:nvGrpSpPr>
-      <p:grpSpPr/>
+      <p:grpSpPr>
+        <a:xfrm>
+          <a:off x="0" y="0"/>
+          <a:ext cx="0" cy="0"/>
+          <a:chOff x="0" y="0"/>
+          <a:chExt cx="0" cy="0"/>
+        </a:xfrm>
+      </p:grpSpPr>
       <p:sp>
         <p:nvSpPr>
           <p:cNvPr id="2" name="标题 1"/>
@@ -5261,12 +5290,12 @@
         <p:spPr/>
         <p:txBody>
           <a:bodyPr/>
+          <a:lstStyle/>
           <a:p>
             <a:r>
               <a:rPr lang="zh-CN" altLang="en-US"/>
               <a:t>危害性</a:t>
             </a:r>
-            <a:endParaRPr lang="zh-CN" altLang="en-US"/>
           </a:p>
         </p:txBody>
       </p:sp>
@@ -5283,12 +5312,12 @@
         <p:spPr/>
         <p:txBody>
           <a:bodyPr/>
+          <a:lstStyle/>
           <a:p>
             <a:r>
               <a:rPr lang="zh-CN" altLang="en-US"/>
               <a:t>没有一种方案同时解决用户登录轨迹的泄露</a:t>
             </a:r>
-            <a:endParaRPr lang="zh-CN" altLang="en-US"/>
           </a:p>
           <a:p>
             <a:pPr lvl="1"/>
@@ -5296,7 +5325,6 @@
               <a:rPr lang="zh-CN" altLang="en-US"/>
               <a:t>不能同时解决问题等同于不能解决问题</a:t>
             </a:r>
-            <a:endParaRPr lang="zh-CN" altLang="en-US"/>
           </a:p>
           <a:p>
             <a:pPr lvl="1"/>
@@ -5304,7 +5332,6 @@
               <a:rPr lang="zh-CN" altLang="en-US"/>
               <a:t>攻击者总有一种方法获得用户登录轨迹</a:t>
             </a:r>
-            <a:endParaRPr lang="zh-CN" altLang="en-US"/>
           </a:p>
         </p:txBody>
       </p:sp>
@@ -5325,7 +5352,14 @@
         <p:cNvGrpSpPr/>
         <p:nvPr/>
       </p:nvGrpSpPr>
-      <p:grpSpPr/>
+      <p:grpSpPr>
+        <a:xfrm>
+          <a:off x="0" y="0"/>
+          <a:ext cx="0" cy="0"/>
+          <a:chOff x="0" y="0"/>
+          <a:chExt cx="0" cy="0"/>
+        </a:xfrm>
+      </p:grpSpPr>
       <p:sp>
         <p:nvSpPr>
           <p:cNvPr id="2" name="标题 1"/>
@@ -5339,12 +5373,12 @@
         <p:spPr/>
         <p:txBody>
           <a:bodyPr/>
+          <a:lstStyle/>
           <a:p>
             <a:r>
               <a:rPr lang="zh-CN" altLang="en-US"/>
               <a:t>总结</a:t>
             </a:r>
-            <a:endParaRPr lang="zh-CN" altLang="en-US"/>
           </a:p>
         </p:txBody>
       </p:sp>
@@ -5361,13 +5395,13 @@
         <p:spPr/>
         <p:txBody>
           <a:bodyPr/>
+          <a:lstStyle/>
           <a:p>
             <a:pPr lvl="0"/>
             <a:r>
               <a:rPr lang="zh-CN" altLang="en-US"/>
               <a:t>使用单点登录会造成用户登录应用轨迹的泄露</a:t>
             </a:r>
-            <a:endParaRPr lang="zh-CN" altLang="en-US"/>
           </a:p>
           <a:p>
             <a:pPr lvl="0"/>
@@ -5375,7 +5409,6 @@
               <a:rPr lang="zh-CN" altLang="en-US"/>
               <a:t>目前没有已知方案解决了单点登录中的隐私问题</a:t>
             </a:r>
-            <a:endParaRPr lang="zh-CN" altLang="en-US"/>
           </a:p>
           <a:p>
             <a:pPr lvl="3"/>
@@ -5400,7 +5433,14 @@
         <p:cNvGrpSpPr/>
         <p:nvPr/>
       </p:nvGrpSpPr>
-      <p:grpSpPr/>
+      <p:grpSpPr>
+        <a:xfrm>
+          <a:off x="0" y="0"/>
+          <a:ext cx="0" cy="0"/>
+          <a:chOff x="0" y="0"/>
+          <a:chExt cx="0" cy="0"/>
+        </a:xfrm>
+      </p:grpSpPr>
       <p:sp>
         <p:nvSpPr>
           <p:cNvPr id="2" name="标题 1"/>
@@ -5414,12 +5454,12 @@
         <p:spPr/>
         <p:txBody>
           <a:bodyPr/>
+          <a:lstStyle/>
           <a:p>
             <a:r>
               <a:rPr lang="zh-CN" altLang="en-US"/>
               <a:t>单点登录</a:t>
             </a:r>
-            <a:endParaRPr lang="zh-CN" altLang="en-US"/>
           </a:p>
         </p:txBody>
       </p:sp>
@@ -5436,12 +5476,12 @@
         <p:spPr/>
         <p:txBody>
           <a:bodyPr/>
+          <a:lstStyle/>
           <a:p>
             <a:r>
               <a:rPr lang="zh-CN" altLang="en-US"/>
               <a:t>什么是单点登录</a:t>
             </a:r>
-            <a:endParaRPr lang="zh-CN" altLang="en-US"/>
           </a:p>
           <a:p>
             <a:pPr lvl="1"/>
@@ -5449,7 +5489,6 @@
               <a:rPr lang="zh-CN" altLang="en-US"/>
               <a:t>在多个应用系统中，用户只需要登录一次就可以访问所有的应用系统</a:t>
             </a:r>
-            <a:endParaRPr lang="zh-CN" altLang="en-US"/>
           </a:p>
           <a:p>
             <a:pPr lvl="0"/>
@@ -5457,7 +5496,6 @@
               <a:rPr lang="zh-CN" altLang="en-US"/>
               <a:t>优点</a:t>
             </a:r>
-            <a:endParaRPr lang="zh-CN" altLang="en-US"/>
           </a:p>
           <a:p>
             <a:pPr lvl="1"/>
@@ -5465,7 +5503,6 @@
               <a:rPr lang="zh-CN" altLang="en-US" sz="2400"/>
               <a:t>用于一次登录多次使用</a:t>
             </a:r>
-            <a:endParaRPr lang="zh-CN" altLang="en-US" sz="2400"/>
           </a:p>
           <a:p>
             <a:pPr lvl="1"/>
@@ -5473,7 +5510,6 @@
               <a:rPr lang="zh-CN" altLang="en-US" sz="2400"/>
               <a:t>减少开发者负担</a:t>
             </a:r>
-            <a:endParaRPr lang="zh-CN" altLang="en-US" sz="2400"/>
           </a:p>
           <a:p>
             <a:pPr lvl="1"/>
@@ -5481,7 +5517,6 @@
               <a:rPr lang="zh-CN" altLang="en-US"/>
               <a:t>转移了系统的风险</a:t>
             </a:r>
-            <a:endParaRPr lang="zh-CN" altLang="en-US"/>
           </a:p>
           <a:p>
             <a:pPr lvl="1"/>
@@ -5506,7 +5541,14 @@
         <p:cNvGrpSpPr/>
         <p:nvPr/>
       </p:nvGrpSpPr>
-      <p:grpSpPr/>
+      <p:grpSpPr>
+        <a:xfrm>
+          <a:off x="0" y="0"/>
+          <a:ext cx="0" cy="0"/>
+          <a:chOff x="0" y="0"/>
+          <a:chExt cx="0" cy="0"/>
+        </a:xfrm>
+      </p:grpSpPr>
       <p:sp>
         <p:nvSpPr>
           <p:cNvPr id="2" name="标题 1"/>
@@ -5520,12 +5562,12 @@
         <p:spPr/>
         <p:txBody>
           <a:bodyPr/>
+          <a:lstStyle/>
           <a:p>
             <a:r>
               <a:rPr lang="zh-CN" altLang="en-US"/>
               <a:t>实际场景</a:t>
             </a:r>
-            <a:endParaRPr lang="zh-CN" altLang="en-US"/>
           </a:p>
         </p:txBody>
       </p:sp>
@@ -5542,12 +5584,12 @@
         <p:spPr/>
         <p:txBody>
           <a:bodyPr/>
+          <a:lstStyle/>
           <a:p>
             <a:r>
               <a:rPr lang="zh-CN" altLang="en-US"/>
               <a:t>知名单点登录系统</a:t>
             </a:r>
-            <a:endParaRPr lang="zh-CN" altLang="en-US"/>
           </a:p>
           <a:p>
             <a:pPr lvl="1"/>
@@ -5567,7 +5609,6 @@
               <a:rPr lang="en-US" altLang="zh-CN"/>
               <a:t>Facebook</a:t>
             </a:r>
-            <a:endParaRPr lang="en-US" altLang="zh-CN"/>
           </a:p>
           <a:p>
             <a:pPr lvl="0"/>
@@ -5575,7 +5616,6 @@
               <a:rPr lang="zh-CN" altLang="en-US"/>
               <a:t>普及程度</a:t>
             </a:r>
-            <a:endParaRPr lang="zh-CN" altLang="en-US"/>
           </a:p>
           <a:p>
             <a:pPr lvl="1"/>
@@ -5595,7 +5635,7 @@
         </p:xfrm>
         <a:graphic>
           <a:graphicData uri="http://schemas.openxmlformats.org/drawingml/2006/chart">
-            <c:chart xmlns:c="http://schemas.openxmlformats.org/drawingml/2006/chart" xmlns:r="http://schemas.openxmlformats.org/officeDocument/2006/relationships" r:id="rId1"/>
+            <c:chart xmlns:c="http://schemas.openxmlformats.org/drawingml/2006/chart" xmlns:r="http://schemas.openxmlformats.org/officeDocument/2006/relationships" r:id="rId2"/>
           </a:graphicData>
         </a:graphic>
       </p:graphicFrame>
@@ -5616,7 +5656,14 @@
         <p:cNvGrpSpPr/>
         <p:nvPr/>
       </p:nvGrpSpPr>
-      <p:grpSpPr/>
+      <p:grpSpPr>
+        <a:xfrm>
+          <a:off x="0" y="0"/>
+          <a:ext cx="0" cy="0"/>
+          <a:chOff x="0" y="0"/>
+          <a:chExt cx="0" cy="0"/>
+        </a:xfrm>
+      </p:grpSpPr>
       <p:sp>
         <p:nvSpPr>
           <p:cNvPr id="2" name="标题 1"/>
@@ -5630,12 +5677,12 @@
         <p:spPr/>
         <p:txBody>
           <a:bodyPr/>
+          <a:lstStyle/>
           <a:p>
             <a:r>
               <a:rPr lang="zh-CN" altLang="en-US"/>
               <a:t>单点登录系统</a:t>
             </a:r>
-            <a:endParaRPr lang="zh-CN" altLang="en-US"/>
           </a:p>
         </p:txBody>
       </p:sp>
@@ -5652,12 +5699,12 @@
         <p:spPr/>
         <p:txBody>
           <a:bodyPr/>
+          <a:lstStyle/>
           <a:p>
             <a:r>
               <a:rPr lang="zh-CN" altLang="en-US"/>
               <a:t>组成</a:t>
             </a:r>
-            <a:endParaRPr lang="zh-CN" altLang="en-US"/>
           </a:p>
           <a:p>
             <a:pPr lvl="1"/>
@@ -5677,7 +5724,6 @@
               <a:rPr lang="zh-CN" altLang="en-US"/>
               <a:t>（身份提供方）</a:t>
             </a:r>
-            <a:endParaRPr lang="zh-CN" altLang="en-US"/>
           </a:p>
           <a:p>
             <a:pPr lvl="2"/>
@@ -5697,7 +5743,6 @@
               <a:rPr lang="zh-CN" altLang="en-US"/>
               <a:t>（身份依赖方）</a:t>
             </a:r>
-            <a:endParaRPr lang="zh-CN" altLang="en-US"/>
           </a:p>
           <a:p>
             <a:pPr lvl="2"/>
@@ -5705,7 +5750,6 @@
               <a:rPr lang="zh-CN" altLang="en-US"/>
               <a:t>用户希望访问的服务</a:t>
             </a:r>
-            <a:endParaRPr lang="zh-CN" altLang="en-US"/>
           </a:p>
           <a:p>
             <a:pPr lvl="0"/>
@@ -5713,7 +5757,6 @@
               <a:rPr lang="zh-CN" altLang="en-US"/>
               <a:t>单点登录方式</a:t>
             </a:r>
-            <a:endParaRPr lang="zh-CN" altLang="en-US"/>
           </a:p>
           <a:p>
             <a:pPr lvl="1"/>
@@ -5754,7 +5797,14 @@
         <p:cNvGrpSpPr/>
         <p:nvPr/>
       </p:nvGrpSpPr>
-      <p:grpSpPr/>
+      <p:grpSpPr>
+        <a:xfrm>
+          <a:off x="0" y="0"/>
+          <a:ext cx="0" cy="0"/>
+          <a:chOff x="0" y="0"/>
+          <a:chExt cx="0" cy="0"/>
+        </a:xfrm>
+      </p:grpSpPr>
       <p:sp>
         <p:nvSpPr>
           <p:cNvPr id="2" name="标题 1"/>
@@ -5768,12 +5818,12 @@
         <p:spPr/>
         <p:txBody>
           <a:bodyPr/>
+          <a:lstStyle/>
           <a:p>
             <a:r>
               <a:rPr lang="zh-CN" altLang="en-US"/>
               <a:t>单点登录流程</a:t>
             </a:r>
-            <a:endParaRPr lang="zh-CN" altLang="en-US"/>
           </a:p>
         </p:txBody>
       </p:sp>
@@ -5791,12 +5841,12 @@
           <a:graphicData uri="http://schemas.openxmlformats.org/presentationml/2006/ole">
             <mc:AlternateContent xmlns:mc="http://schemas.openxmlformats.org/markup-compatibility/2006">
               <mc:Choice xmlns:v="urn:schemas-microsoft-com:vml" Requires="v">
-                <p:oleObj spid="_x0000_s7" name="" r:id="rId1" imgW="5385435" imgH="2526030" progId="Visio.Drawing.15">
+                <p:oleObj spid="_x0000_s1027" r:id="rId3" imgW="5385435" imgH="2526030" progId="Visio.Drawing.15">
                   <p:embed/>
                 </p:oleObj>
               </mc:Choice>
               <mc:Fallback>
-                <p:oleObj name="" r:id="rId1" imgW="5385435" imgH="2526030" progId="Visio.Drawing.15">
+                <p:oleObj r:id="rId3" imgW="5385435" imgH="2526030" progId="Visio.Drawing.15">
                   <p:embed/>
                   <p:pic>
                     <p:nvPicPr>
@@ -5805,7 +5855,7 @@
                       <p:nvPr/>
                     </p:nvPicPr>
                     <p:blipFill>
-                      <a:blip r:embed="rId2"/>
+                      <a:blip r:embed="rId4"/>
                       <a:stretch>
                         <a:fillRect/>
                       </a:stretch>
@@ -5843,7 +5893,14 @@
         <p:cNvGrpSpPr/>
         <p:nvPr/>
       </p:nvGrpSpPr>
-      <p:grpSpPr/>
+      <p:grpSpPr>
+        <a:xfrm>
+          <a:off x="0" y="0"/>
+          <a:ext cx="0" cy="0"/>
+          <a:chOff x="0" y="0"/>
+          <a:chExt cx="0" cy="0"/>
+        </a:xfrm>
+      </p:grpSpPr>
       <p:sp>
         <p:nvSpPr>
           <p:cNvPr id="2" name="标题 1"/>
@@ -5857,12 +5914,12 @@
         <p:spPr/>
         <p:txBody>
           <a:bodyPr/>
+          <a:lstStyle/>
           <a:p>
             <a:r>
               <a:rPr lang="zh-CN" altLang="en-US"/>
               <a:t>引入新的问题</a:t>
             </a:r>
-            <a:endParaRPr lang="zh-CN" altLang="en-US"/>
           </a:p>
         </p:txBody>
       </p:sp>
@@ -5879,6 +5936,7 @@
         <p:spPr/>
         <p:txBody>
           <a:bodyPr/>
+          <a:lstStyle/>
           <a:p>
             <a:r>
               <a:rPr lang="en-US" altLang="zh-CN"/>
@@ -5888,7 +5946,6 @@
               <a:rPr lang="zh-CN" altLang="en-US"/>
               <a:t>指出</a:t>
             </a:r>
-            <a:endParaRPr lang="zh-CN" altLang="en-US"/>
           </a:p>
           <a:p>
             <a:pPr lvl="1"/>
@@ -5896,7 +5953,6 @@
               <a:rPr lang="zh-CN" altLang="en-US"/>
               <a:t>单点登录系统引入新的隐私问题</a:t>
             </a:r>
-            <a:endParaRPr lang="zh-CN" altLang="en-US"/>
           </a:p>
           <a:p>
             <a:pPr lvl="2"/>
@@ -5912,7 +5968,6 @@
               <a:rPr lang="en-US" altLang="zh-CN"/>
               <a:t>RP</a:t>
             </a:r>
-            <a:endParaRPr lang="en-US" altLang="zh-CN"/>
           </a:p>
           <a:p>
             <a:pPr lvl="2"/>
@@ -5924,7 +5979,6 @@
               <a:rPr lang="zh-CN" altLang="en-US"/>
               <a:t>之间合谋获得用户登录轨迹</a:t>
             </a:r>
-            <a:endParaRPr lang="zh-CN" altLang="en-US"/>
           </a:p>
           <a:p>
             <a:pPr lvl="0"/>
@@ -5949,7 +6003,14 @@
         <p:cNvGrpSpPr/>
         <p:nvPr/>
       </p:nvGrpSpPr>
-      <p:grpSpPr/>
+      <p:grpSpPr>
+        <a:xfrm>
+          <a:off x="0" y="0"/>
+          <a:ext cx="0" cy="0"/>
+          <a:chOff x="0" y="0"/>
+          <a:chExt cx="0" cy="0"/>
+        </a:xfrm>
+      </p:grpSpPr>
       <p:sp>
         <p:nvSpPr>
           <p:cNvPr id="2" name="标题 1"/>
@@ -5963,12 +6024,12 @@
         <p:spPr/>
         <p:txBody>
           <a:bodyPr/>
+          <a:lstStyle/>
           <a:p>
             <a:r>
               <a:rPr lang="zh-CN" altLang="en-US"/>
               <a:t>现实场景</a:t>
             </a:r>
-            <a:endParaRPr lang="zh-CN" altLang="en-US"/>
           </a:p>
         </p:txBody>
       </p:sp>
@@ -5985,12 +6046,12 @@
         <p:spPr/>
         <p:txBody>
           <a:bodyPr/>
+          <a:lstStyle/>
           <a:p>
             <a:r>
               <a:rPr lang="zh-CN" altLang="en-US"/>
               <a:t>许多公司愿意付费获得用户使用其他应用的信息</a:t>
             </a:r>
-            <a:endParaRPr lang="zh-CN" altLang="en-US"/>
           </a:p>
           <a:p>
             <a:pPr lvl="1"/>
@@ -5998,7 +6059,6 @@
               <a:rPr lang="en-US" altLang="zh-CN"/>
               <a:t>Google Screenwise Meter</a:t>
             </a:r>
-            <a:endParaRPr lang="en-US" altLang="zh-CN"/>
           </a:p>
           <a:p>
             <a:pPr lvl="1"/>
@@ -6006,7 +6066,6 @@
               <a:rPr lang="en-US" altLang="zh-CN"/>
               <a:t>Facebook Onavo</a:t>
             </a:r>
-            <a:endParaRPr lang="en-US" altLang="zh-CN"/>
           </a:p>
           <a:p>
             <a:pPr lvl="0"/>
@@ -6014,7 +6073,6 @@
               <a:rPr lang="zh-CN" altLang="en-US"/>
               <a:t>用途</a:t>
             </a:r>
-            <a:endParaRPr lang="zh-CN" altLang="en-US"/>
           </a:p>
           <a:p>
             <a:pPr lvl="1"/>
@@ -6022,7 +6080,6 @@
               <a:rPr lang="zh-CN" altLang="en-US"/>
               <a:t>构建更精确的用户模型</a:t>
             </a:r>
-            <a:endParaRPr lang="zh-CN" altLang="en-US"/>
           </a:p>
           <a:p>
             <a:pPr lvl="2"/>
@@ -6034,7 +6091,6 @@
               <a:rPr lang="zh-CN" altLang="en-US"/>
               <a:t>掌握用户搜索历史</a:t>
             </a:r>
-            <a:endParaRPr lang="zh-CN" altLang="en-US"/>
           </a:p>
           <a:p>
             <a:pPr lvl="2"/>
@@ -6046,7 +6102,6 @@
               <a:rPr lang="zh-CN" altLang="en-US"/>
               <a:t>掌握用户社交信息</a:t>
             </a:r>
-            <a:endParaRPr lang="zh-CN" altLang="en-US"/>
           </a:p>
           <a:p>
             <a:pPr lvl="0"/>
@@ -6054,7 +6109,6 @@
               <a:rPr lang="zh-CN" altLang="en-US"/>
               <a:t>实际危害</a:t>
             </a:r>
-            <a:endParaRPr lang="zh-CN" altLang="en-US"/>
           </a:p>
           <a:p>
             <a:pPr lvl="1"/>
@@ -6066,7 +6120,6 @@
               <a:rPr lang="zh-CN" altLang="en-US"/>
               <a:t>的用户数据被用于美国大选</a:t>
             </a:r>
-            <a:endParaRPr lang="zh-CN" altLang="en-US"/>
           </a:p>
           <a:p>
             <a:pPr lvl="2"/>
@@ -6076,11 +6129,7 @@
             </a:r>
             <a:r>
               <a:rPr lang="zh-CN" altLang="en-US"/>
-              <a:t>公司</a:t>
-            </a:r>
-            <a:r>
-              <a:rPr lang="zh-CN" altLang="en-US"/>
-              <a:t>通过</a:t>
+              <a:t>公司通过</a:t>
             </a:r>
             <a:r>
               <a:rPr lang="en-US" altLang="zh-CN"/>
@@ -6090,7 +6139,6 @@
               <a:rPr lang="zh-CN" altLang="en-US"/>
               <a:t>上的用户信息，构建用户模型，实现精准投放政治广告</a:t>
             </a:r>
-            <a:endParaRPr lang="zh-CN" altLang="en-US"/>
           </a:p>
         </p:txBody>
       </p:sp>
@@ -6111,7 +6159,14 @@
         <p:cNvGrpSpPr/>
         <p:nvPr/>
       </p:nvGrpSpPr>
-      <p:grpSpPr/>
+      <p:grpSpPr>
+        <a:xfrm>
+          <a:off x="0" y="0"/>
+          <a:ext cx="0" cy="0"/>
+          <a:chOff x="0" y="0"/>
+          <a:chExt cx="0" cy="0"/>
+        </a:xfrm>
+      </p:grpSpPr>
       <p:sp>
         <p:nvSpPr>
           <p:cNvPr id="2" name="标题 1"/>
@@ -6125,6 +6180,7 @@
         <p:spPr/>
         <p:txBody>
           <a:bodyPr/>
+          <a:lstStyle/>
           <a:p>
             <a:r>
               <a:rPr lang="en-US" altLang="zh-CN"/>
@@ -6134,7 +6190,6 @@
               <a:rPr lang="zh-CN" altLang="en-US"/>
               <a:t>获得用户登录轨迹</a:t>
             </a:r>
-            <a:endParaRPr lang="zh-CN" altLang="en-US"/>
           </a:p>
         </p:txBody>
       </p:sp>
@@ -6151,6 +6206,7 @@
         <p:spPr/>
         <p:txBody>
           <a:bodyPr/>
+          <a:lstStyle/>
           <a:p>
             <a:r>
               <a:rPr lang="en-US" altLang="zh-CN"/>
@@ -6160,7 +6216,6 @@
               <a:rPr lang="zh-CN" altLang="en-US"/>
               <a:t>获得用户登录轨迹的过程</a:t>
             </a:r>
-            <a:endParaRPr lang="zh-CN" altLang="en-US"/>
           </a:p>
           <a:p>
             <a:pPr lvl="1"/>
@@ -6180,7 +6235,6 @@
               <a:rPr lang="zh-CN" altLang="en-US"/>
               <a:t>注册</a:t>
             </a:r>
-            <a:endParaRPr lang="zh-CN" altLang="en-US"/>
           </a:p>
           <a:p>
             <a:pPr lvl="1"/>
@@ -6196,7 +6250,6 @@
               <a:rPr lang="zh-CN" altLang="en-US"/>
               <a:t>身份</a:t>
             </a:r>
-            <a:endParaRPr lang="zh-CN" altLang="en-US"/>
           </a:p>
           <a:p>
             <a:pPr lvl="1"/>
@@ -6204,7 +6257,6 @@
               <a:rPr lang="zh-CN" altLang="en-US"/>
               <a:t>认证用户身份</a:t>
             </a:r>
-            <a:endParaRPr lang="zh-CN" altLang="en-US"/>
           </a:p>
         </p:txBody>
       </p:sp>
@@ -6225,7 +6277,14 @@
         <p:cNvGrpSpPr/>
         <p:nvPr/>
       </p:nvGrpSpPr>
-      <p:grpSpPr/>
+      <p:grpSpPr>
+        <a:xfrm>
+          <a:off x="0" y="0"/>
+          <a:ext cx="0" cy="0"/>
+          <a:chOff x="0" y="0"/>
+          <a:chExt cx="0" cy="0"/>
+        </a:xfrm>
+      </p:grpSpPr>
       <p:sp>
         <p:nvSpPr>
           <p:cNvPr id="2" name="标题 1"/>
@@ -6239,6 +6298,7 @@
         <p:spPr/>
         <p:txBody>
           <a:bodyPr/>
+          <a:lstStyle/>
           <a:p>
             <a:r>
               <a:rPr lang="en-US" altLang="zh-CN">
@@ -6288,6 +6348,7 @@
           <a:bodyPr wrap="square" rtlCol="0">
             <a:spAutoFit/>
           </a:bodyPr>
+          <a:lstStyle/>
           <a:p>
             <a:r>
               <a:rPr lang="en-US" altLang="zh-CN"/>
@@ -6301,7 +6362,6 @@
               <a:rPr lang="en-US" altLang="zh-CN"/>
               <a:t>CLIENT_ID</a:t>
             </a:r>
-            <a:endParaRPr lang="en-US" altLang="zh-CN"/>
           </a:p>
         </p:txBody>
       </p:sp>
@@ -6314,7 +6374,7 @@
           <p:nvPr/>
         </p:nvPicPr>
         <p:blipFill>
-          <a:blip r:embed="rId1"/>
+          <a:blip r:embed="rId2"/>
           <a:stretch>
             <a:fillRect/>
           </a:stretch>
@@ -6338,7 +6398,7 @@
           <p:nvPr/>
         </p:nvPicPr>
         <p:blipFill>
-          <a:blip r:embed="rId2"/>
+          <a:blip r:embed="rId3"/>
           <a:stretch>
             <a:fillRect/>
           </a:stretch>
@@ -6362,7 +6422,7 @@
           <p:nvPr/>
         </p:nvPicPr>
         <p:blipFill>
-          <a:blip r:embed="rId3"/>
+          <a:blip r:embed="rId4"/>
           <a:stretch>
             <a:fillRect/>
           </a:stretch>
@@ -6410,6 +6470,7 @@
         </p:style>
         <p:txBody>
           <a:bodyPr rtlCol="0" anchor="ctr"/>
+          <a:lstStyle/>
           <a:p>
             <a:pPr algn="ctr"/>
             <a:endParaRPr lang="zh-CN" altLang="en-US"/>
@@ -6449,6 +6510,7 @@
         </p:style>
         <p:txBody>
           <a:bodyPr rtlCol="0" anchor="ctr"/>
+          <a:lstStyle/>
           <a:p>
             <a:pPr algn="ctr"/>
             <a:endParaRPr lang="zh-CN" altLang="en-US"/>
@@ -6464,7 +6526,7 @@
 </file>
 
 <file path=ppt/tags/tag1.xml><?xml version="1.0" encoding="utf-8"?>
-<p:tagLst xmlns:p="http://schemas.openxmlformats.org/presentationml/2006/main">
+<p:tagLst xmlns:a="http://schemas.openxmlformats.org/drawingml/2006/main" xmlns:r="http://schemas.openxmlformats.org/officeDocument/2006/relationships" xmlns:p="http://schemas.openxmlformats.org/presentationml/2006/main">
   <p:tag name="KSO_WM_SLIDE_MODEL_TYPE" val="cover"/>
 </p:tagLst>
 </file>
@@ -6720,6 +6782,8 @@
       </a:bgFillStyleLst>
     </a:fmtScheme>
   </a:themeElements>
+  <a:objectDefaults/>
+  <a:extraClrSchemeLst/>
   <a:extLst>
     <a:ext uri="{05A4C25C-085E-4340-85A3-A5531E510DB2}">
       <thm15:themeFamily xmlns:thm15="http://schemas.microsoft.com/office/thememl/2012/main" name="Office Theme" id="{62F939B6-93AF-4DB8-9C6B-D6C7DFDC589F}" vid="{4A3C46E8-61CC-4603-A589-7422A47A8E4A}"/>
@@ -6979,6 +7043,8 @@
       </a:bgFillStyleLst>
     </a:fmtScheme>
   </a:themeElements>
+  <a:objectDefaults/>
+  <a:extraClrSchemeLst/>
   <a:extLst>
     <a:ext uri="{05A4C25C-085E-4340-85A3-A5531E510DB2}">
       <thm15:themeFamily xmlns:thm15="http://schemas.microsoft.com/office/thememl/2012/main" name="Office Theme" id="{62F939B6-93AF-4DB8-9C6B-D6C7DFDC589F}" vid="{4A3C46E8-61CC-4603-A589-7422A47A8E4A}"/>
